--- a/documentation/Architecture.pptx
+++ b/documentation/Architecture.pptx
@@ -3361,8 +3361,8 @@
         </p:nvSpPr>
         <p:spPr>
           <a:xfrm>
-            <a:off x="1743932" y="1285399"/>
-            <a:ext cx="6638068" cy="3892550"/>
+            <a:off x="1739030" y="1754687"/>
+            <a:ext cx="6638068" cy="3275528"/>
           </a:xfrm>
           <a:prstGeom prst="rect">
             <a:avLst/>
@@ -3415,8 +3415,8 @@
         </p:nvSpPr>
         <p:spPr>
           <a:xfrm>
-            <a:off x="2132730" y="1921216"/>
-            <a:ext cx="5855570" cy="2555534"/>
+            <a:off x="2127828" y="2390504"/>
+            <a:ext cx="5855570" cy="2263948"/>
           </a:xfrm>
           <a:prstGeom prst="roundRect">
             <a:avLst/>
@@ -3469,7 +3469,7 @@
         </p:nvSpPr>
         <p:spPr>
           <a:xfrm>
-            <a:off x="2934918" y="2846826"/>
+            <a:off x="2930016" y="3316114"/>
             <a:ext cx="1262495" cy="814109"/>
           </a:xfrm>
           <a:prstGeom prst="roundRect">
@@ -3580,7 +3580,7 @@
         </p:blipFill>
         <p:spPr bwMode="auto">
           <a:xfrm>
-            <a:off x="518017" y="2840891"/>
+            <a:off x="314757" y="3314498"/>
             <a:ext cx="817341" cy="817341"/>
           </a:xfrm>
           <a:prstGeom prst="rect">
@@ -3612,7 +3612,7 @@
         </p:nvSpPr>
         <p:spPr>
           <a:xfrm>
-            <a:off x="2958017" y="2510114"/>
+            <a:off x="2953115" y="2979402"/>
             <a:ext cx="1135529" cy="276999"/>
           </a:xfrm>
           <a:prstGeom prst="rect">
@@ -3649,7 +3649,7 @@
         </p:nvSpPr>
         <p:spPr>
           <a:xfrm>
-            <a:off x="6022485" y="2525659"/>
+            <a:off x="6017583" y="2994947"/>
             <a:ext cx="1135529" cy="276999"/>
           </a:xfrm>
           <a:prstGeom prst="rect">
@@ -3703,7 +3703,7 @@
         </p:blipFill>
         <p:spPr>
           <a:xfrm>
-            <a:off x="2284580" y="1993660"/>
+            <a:off x="2279678" y="2462948"/>
             <a:ext cx="613201" cy="613201"/>
           </a:xfrm>
           <a:prstGeom prst="rect">
@@ -3742,7 +3742,7 @@
         </p:blipFill>
         <p:spPr>
           <a:xfrm>
-            <a:off x="1847558" y="1321174"/>
+            <a:off x="1842656" y="1790462"/>
             <a:ext cx="568891" cy="568891"/>
           </a:xfrm>
           <a:prstGeom prst="rect">
@@ -3781,8 +3781,8 @@
         </p:blipFill>
         <p:spPr>
           <a:xfrm>
-            <a:off x="9194498" y="2928325"/>
-            <a:ext cx="606697" cy="606697"/>
+            <a:off x="9382958" y="3079062"/>
+            <a:ext cx="606697" cy="626778"/>
           </a:xfrm>
           <a:prstGeom prst="rect">
             <a:avLst/>
@@ -3820,8 +3820,8 @@
         </p:blipFill>
         <p:spPr>
           <a:xfrm>
-            <a:off x="10906677" y="2853853"/>
-            <a:ext cx="762223" cy="762223"/>
+            <a:off x="10773498" y="2998725"/>
+            <a:ext cx="762223" cy="787452"/>
           </a:xfrm>
           <a:prstGeom prst="rect">
             <a:avLst/>
@@ -3859,7 +3859,7 @@
         </p:blipFill>
         <p:spPr>
           <a:xfrm>
-            <a:off x="6160923" y="5426067"/>
+            <a:off x="6158471" y="5479511"/>
             <a:ext cx="858651" cy="858651"/>
           </a:xfrm>
           <a:prstGeom prst="rect">
@@ -3898,7 +3898,7 @@
         </p:blipFill>
         <p:spPr>
           <a:xfrm>
-            <a:off x="3170547" y="5493482"/>
+            <a:off x="3177045" y="5479511"/>
             <a:ext cx="791236" cy="791236"/>
           </a:xfrm>
           <a:prstGeom prst="rect">
@@ -3937,7 +3937,7 @@
         </p:blipFill>
         <p:spPr>
           <a:xfrm>
-            <a:off x="4673816" y="314638"/>
+            <a:off x="4668914" y="345971"/>
             <a:ext cx="773398" cy="773398"/>
           </a:xfrm>
           <a:prstGeom prst="rect">
@@ -3963,7 +3963,7 @@
         </p:nvCxnSpPr>
         <p:spPr>
           <a:xfrm flipV="1">
-            <a:off x="4197413" y="3247946"/>
+            <a:off x="4192511" y="3717234"/>
             <a:ext cx="1761590" cy="5935"/>
           </a:xfrm>
           <a:prstGeom prst="straightConnector1">
@@ -4009,9 +4009,9 @@
           <p:nvPr/>
         </p:nvCxnSpPr>
         <p:spPr>
-          <a:xfrm flipH="1">
-            <a:off x="6590249" y="3655000"/>
-            <a:ext cx="2" cy="1771067"/>
+          <a:xfrm>
+            <a:off x="6585349" y="4124288"/>
+            <a:ext cx="2448" cy="1355223"/>
           </a:xfrm>
           <a:prstGeom prst="straightConnector1">
             <a:avLst/>
@@ -4052,7 +4052,7 @@
         </p:nvSpPr>
         <p:spPr>
           <a:xfrm>
-            <a:off x="6089650" y="6302003"/>
+            <a:off x="6014035" y="6264728"/>
             <a:ext cx="1135529" cy="461665"/>
           </a:xfrm>
           <a:prstGeom prst="rect">
@@ -4089,7 +4089,7 @@
         </p:nvSpPr>
         <p:spPr>
           <a:xfrm>
-            <a:off x="2932540" y="6289530"/>
+            <a:off x="2916467" y="6258378"/>
             <a:ext cx="1264873" cy="461665"/>
           </a:xfrm>
           <a:prstGeom prst="rect">
@@ -4129,9 +4129,9 @@
           <p:nvPr/>
         </p:nvCxnSpPr>
         <p:spPr>
-          <a:xfrm flipH="1">
-            <a:off x="3566165" y="3660935"/>
-            <a:ext cx="1" cy="1832547"/>
+          <a:xfrm>
+            <a:off x="3561264" y="4130223"/>
+            <a:ext cx="11399" cy="1349288"/>
           </a:xfrm>
           <a:prstGeom prst="straightConnector1">
             <a:avLst/>
@@ -4172,7 +4172,7 @@
         </p:nvSpPr>
         <p:spPr>
           <a:xfrm>
-            <a:off x="2484059" y="1348213"/>
+            <a:off x="2479157" y="1817501"/>
             <a:ext cx="2255735" cy="523220"/>
           </a:xfrm>
           <a:prstGeom prst="rect">
@@ -4209,7 +4209,7 @@
         </p:nvSpPr>
         <p:spPr>
           <a:xfrm>
-            <a:off x="3575114" y="2001777"/>
+            <a:off x="3570212" y="2471065"/>
             <a:ext cx="3101538" cy="307777"/>
           </a:xfrm>
           <a:prstGeom prst="rect">
@@ -4246,7 +4246,7 @@
         </p:nvSpPr>
         <p:spPr>
           <a:xfrm>
-            <a:off x="8911041" y="2252809"/>
+            <a:off x="9118543" y="2429818"/>
             <a:ext cx="1135529" cy="646331"/>
           </a:xfrm>
           <a:prstGeom prst="rect">
@@ -4283,7 +4283,7 @@
         </p:nvSpPr>
         <p:spPr>
           <a:xfrm>
-            <a:off x="10861661" y="2336125"/>
+            <a:off x="10728482" y="2494481"/>
             <a:ext cx="852254" cy="461665"/>
           </a:xfrm>
           <a:prstGeom prst="rect">
@@ -4327,7 +4327,7 @@
         </p:nvSpPr>
         <p:spPr>
           <a:xfrm>
-            <a:off x="5959003" y="2840891"/>
+            <a:off x="5954101" y="3310179"/>
             <a:ext cx="1262495" cy="814109"/>
           </a:xfrm>
           <a:prstGeom prst="roundRect">
@@ -4393,7 +4393,7 @@
         </p:nvSpPr>
         <p:spPr>
           <a:xfrm>
-            <a:off x="382563" y="2475461"/>
+            <a:off x="155662" y="2902639"/>
             <a:ext cx="1135529" cy="276999"/>
           </a:xfrm>
           <a:prstGeom prst="rect">
@@ -4434,8 +4434,8 @@
         </p:nvCxnSpPr>
         <p:spPr>
           <a:xfrm>
-            <a:off x="8382000" y="3231674"/>
-            <a:ext cx="812498" cy="0"/>
+            <a:off x="8377098" y="3392451"/>
+            <a:ext cx="1005860" cy="0"/>
           </a:xfrm>
           <a:prstGeom prst="straightConnector1">
             <a:avLst/>
@@ -4480,8 +4480,8 @@
         </p:nvCxnSpPr>
         <p:spPr>
           <a:xfrm>
-            <a:off x="9801195" y="3231674"/>
-            <a:ext cx="1105482" cy="3291"/>
+            <a:off x="9989655" y="3392451"/>
+            <a:ext cx="783843" cy="0"/>
           </a:xfrm>
           <a:prstGeom prst="straightConnector1">
             <a:avLst/>
@@ -4526,8 +4526,8 @@
         </p:nvCxnSpPr>
         <p:spPr>
           <a:xfrm>
-            <a:off x="1335358" y="3249562"/>
-            <a:ext cx="1599560" cy="4319"/>
+            <a:off x="1132098" y="3723169"/>
+            <a:ext cx="1797918" cy="0"/>
           </a:xfrm>
           <a:prstGeom prst="straightConnector1">
             <a:avLst/>
@@ -4609,8 +4609,260 @@
         </p:nvCxnSpPr>
         <p:spPr>
           <a:xfrm>
-            <a:off x="5060515" y="1088036"/>
-            <a:ext cx="0" cy="833180"/>
+            <a:off x="5055613" y="1119369"/>
+            <a:ext cx="0" cy="1271135"/>
+          </a:xfrm>
+          <a:prstGeom prst="straightConnector1">
+            <a:avLst/>
+          </a:prstGeom>
+          <a:ln>
+            <a:tailEnd type="triangle"/>
+          </a:ln>
+        </p:spPr>
+        <p:style>
+          <a:lnRef idx="1">
+            <a:schemeClr val="accent1"/>
+          </a:lnRef>
+          <a:fillRef idx="0">
+            <a:schemeClr val="accent1"/>
+          </a:fillRef>
+          <a:effectRef idx="0">
+            <a:schemeClr val="accent1"/>
+          </a:effectRef>
+          <a:fontRef idx="minor">
+            <a:schemeClr val="tx1"/>
+          </a:fontRef>
+        </p:style>
+      </p:cxnSp>
+      <p:pic>
+        <p:nvPicPr>
+          <p:cNvPr id="2050" name="Picture 2" descr="GitHub Actions · GitHub">
+            <a:extLst>
+              <a:ext uri="{FF2B5EF4-FFF2-40B4-BE49-F238E27FC236}">
+                <a16:creationId xmlns:a16="http://schemas.microsoft.com/office/drawing/2014/main" id="{B69F1CAB-2982-8525-A6BC-7FCFC42700FC}"/>
+              </a:ext>
+            </a:extLst>
+          </p:cNvPr>
+          <p:cNvPicPr>
+            <a:picLocks noChangeAspect="1" noChangeArrowheads="1"/>
+          </p:cNvPicPr>
+          <p:nvPr/>
+        </p:nvPicPr>
+        <p:blipFill>
+          <a:blip r:embed="rId17">
+            <a:extLst>
+              <a:ext uri="{28A0092B-C50C-407E-A947-70E740481C1C}">
+                <a14:useLocalDpi xmlns:a14="http://schemas.microsoft.com/office/drawing/2010/main" val="0"/>
+              </a:ext>
+            </a:extLst>
+          </a:blip>
+          <a:srcRect/>
+          <a:stretch>
+            <a:fillRect/>
+          </a:stretch>
+        </p:blipFill>
+        <p:spPr bwMode="auto">
+          <a:xfrm>
+            <a:off x="3228181" y="390974"/>
+            <a:ext cx="693865" cy="693865"/>
+          </a:xfrm>
+          <a:prstGeom prst="rect">
+            <a:avLst/>
+          </a:prstGeom>
+          <a:noFill/>
+          <a:extLst>
+            <a:ext uri="{909E8E84-426E-40DD-AFC4-6F175D3DCCD1}">
+              <a14:hiddenFill xmlns:a14="http://schemas.microsoft.com/office/drawing/2010/main">
+                <a:solidFill>
+                  <a:srgbClr val="FFFFFF"/>
+                </a:solidFill>
+              </a14:hiddenFill>
+            </a:ext>
+          </a:extLst>
+        </p:spPr>
+      </p:pic>
+      <p:pic>
+        <p:nvPicPr>
+          <p:cNvPr id="2052" name="Picture 4" descr="Github Logo - Free social media icons">
+            <a:extLst>
+              <a:ext uri="{FF2B5EF4-FFF2-40B4-BE49-F238E27FC236}">
+                <a16:creationId xmlns:a16="http://schemas.microsoft.com/office/drawing/2014/main" id="{B78BED8B-41F1-E161-E260-6676CD954C27}"/>
+              </a:ext>
+            </a:extLst>
+          </p:cNvPr>
+          <p:cNvPicPr>
+            <a:picLocks noChangeAspect="1" noChangeArrowheads="1"/>
+          </p:cNvPicPr>
+          <p:nvPr/>
+        </p:nvPicPr>
+        <p:blipFill>
+          <a:blip r:embed="rId18">
+            <a:extLst>
+              <a:ext uri="{28A0092B-C50C-407E-A947-70E740481C1C}">
+                <a14:useLocalDpi xmlns:a14="http://schemas.microsoft.com/office/drawing/2010/main" val="0"/>
+              </a:ext>
+            </a:extLst>
+          </a:blip>
+          <a:srcRect/>
+          <a:stretch>
+            <a:fillRect/>
+          </a:stretch>
+        </p:blipFill>
+        <p:spPr bwMode="auto">
+          <a:xfrm>
+            <a:off x="1777614" y="371107"/>
+            <a:ext cx="723126" cy="723126"/>
+          </a:xfrm>
+          <a:prstGeom prst="rect">
+            <a:avLst/>
+          </a:prstGeom>
+          <a:noFill/>
+          <a:extLst>
+            <a:ext uri="{909E8E84-426E-40DD-AFC4-6F175D3DCCD1}">
+              <a14:hiddenFill xmlns:a14="http://schemas.microsoft.com/office/drawing/2010/main">
+                <a:solidFill>
+                  <a:srgbClr val="FFFFFF"/>
+                </a:solidFill>
+              </a14:hiddenFill>
+            </a:ext>
+          </a:extLst>
+        </p:spPr>
+      </p:pic>
+      <p:sp>
+        <p:nvSpPr>
+          <p:cNvPr id="56" name="TextBox 55">
+            <a:extLst>
+              <a:ext uri="{FF2B5EF4-FFF2-40B4-BE49-F238E27FC236}">
+                <a16:creationId xmlns:a16="http://schemas.microsoft.com/office/drawing/2014/main" id="{89300AEE-9F6B-B36B-D16F-F39F9889827E}"/>
+              </a:ext>
+            </a:extLst>
+          </p:cNvPr>
+          <p:cNvSpPr txBox="1"/>
+          <p:nvPr/>
+        </p:nvSpPr>
+        <p:spPr>
+          <a:xfrm>
+            <a:off x="1423691" y="94108"/>
+            <a:ext cx="1436831" cy="276999"/>
+          </a:xfrm>
+          <a:prstGeom prst="rect">
+            <a:avLst/>
+          </a:prstGeom>
+          <a:noFill/>
+        </p:spPr>
+        <p:txBody>
+          <a:bodyPr wrap="square" rtlCol="0">
+            <a:spAutoFit/>
+          </a:bodyPr>
+          <a:lstStyle/>
+          <a:p>
+            <a:pPr algn="ctr"/>
+            <a:r>
+              <a:rPr lang="en-US" sz="1200" dirty="0"/>
+              <a:t>Source code control</a:t>
+            </a:r>
+            <a:endParaRPr lang="en-IN" sz="1200" dirty="0"/>
+          </a:p>
+        </p:txBody>
+      </p:sp>
+      <p:sp>
+        <p:nvSpPr>
+          <p:cNvPr id="57" name="TextBox 56">
+            <a:extLst>
+              <a:ext uri="{FF2B5EF4-FFF2-40B4-BE49-F238E27FC236}">
+                <a16:creationId xmlns:a16="http://schemas.microsoft.com/office/drawing/2014/main" id="{8793B9D8-4392-F879-CA89-E69599930B0F}"/>
+              </a:ext>
+            </a:extLst>
+          </p:cNvPr>
+          <p:cNvSpPr txBox="1"/>
+          <p:nvPr/>
+        </p:nvSpPr>
+        <p:spPr>
+          <a:xfrm>
+            <a:off x="3034060" y="69340"/>
+            <a:ext cx="1082106" cy="276999"/>
+          </a:xfrm>
+          <a:prstGeom prst="rect">
+            <a:avLst/>
+          </a:prstGeom>
+          <a:noFill/>
+        </p:spPr>
+        <p:txBody>
+          <a:bodyPr wrap="square" rtlCol="0">
+            <a:spAutoFit/>
+          </a:bodyPr>
+          <a:lstStyle/>
+          <a:p>
+            <a:pPr algn="ctr"/>
+            <a:r>
+              <a:rPr lang="en-US" sz="1200" dirty="0"/>
+              <a:t>GitHub Action</a:t>
+            </a:r>
+            <a:endParaRPr lang="en-IN" sz="1200" dirty="0"/>
+          </a:p>
+        </p:txBody>
+      </p:sp>
+      <p:cxnSp>
+        <p:nvCxnSpPr>
+          <p:cNvPr id="37" name="Straight Arrow Connector 36">
+            <a:extLst>
+              <a:ext uri="{FF2B5EF4-FFF2-40B4-BE49-F238E27FC236}">
+                <a16:creationId xmlns:a16="http://schemas.microsoft.com/office/drawing/2014/main" id="{72C8DBC5-2C9B-538C-5599-716E102D39DC}"/>
+              </a:ext>
+            </a:extLst>
+          </p:cNvPr>
+          <p:cNvCxnSpPr>
+            <a:stCxn id="2052" idx="3"/>
+            <a:endCxn id="2050" idx="1"/>
+          </p:cNvCxnSpPr>
+          <p:nvPr/>
+        </p:nvCxnSpPr>
+        <p:spPr>
+          <a:xfrm>
+            <a:off x="2500740" y="732670"/>
+            <a:ext cx="727441" cy="5237"/>
+          </a:xfrm>
+          <a:prstGeom prst="straightConnector1">
+            <a:avLst/>
+          </a:prstGeom>
+          <a:ln>
+            <a:tailEnd type="triangle"/>
+          </a:ln>
+        </p:spPr>
+        <p:style>
+          <a:lnRef idx="1">
+            <a:schemeClr val="accent1"/>
+          </a:lnRef>
+          <a:fillRef idx="0">
+            <a:schemeClr val="accent1"/>
+          </a:fillRef>
+          <a:effectRef idx="0">
+            <a:schemeClr val="accent1"/>
+          </a:effectRef>
+          <a:fontRef idx="minor">
+            <a:schemeClr val="tx1"/>
+          </a:fontRef>
+        </p:style>
+      </p:cxnSp>
+      <p:cxnSp>
+        <p:nvCxnSpPr>
+          <p:cNvPr id="42" name="Straight Arrow Connector 41">
+            <a:extLst>
+              <a:ext uri="{FF2B5EF4-FFF2-40B4-BE49-F238E27FC236}">
+                <a16:creationId xmlns:a16="http://schemas.microsoft.com/office/drawing/2014/main" id="{777294F2-6C77-44AD-CFD8-00EC57720756}"/>
+              </a:ext>
+            </a:extLst>
+          </p:cNvPr>
+          <p:cNvCxnSpPr>
+            <a:stCxn id="2050" idx="3"/>
+            <a:endCxn id="47" idx="1"/>
+          </p:cNvCxnSpPr>
+          <p:nvPr/>
+        </p:nvCxnSpPr>
+        <p:spPr>
+          <a:xfrm flipV="1">
+            <a:off x="3922046" y="732670"/>
+            <a:ext cx="746868" cy="5237"/>
           </a:xfrm>
           <a:prstGeom prst="straightConnector1">
             <a:avLst/>
